--- a/202412241629系統架構流程.pptx
+++ b/202412241629系統架構流程.pptx
@@ -7,6 +7,7 @@
   <p:sldIdLst>
     <p:sldId id="256" r:id="rId2"/>
     <p:sldId id="257" r:id="rId3"/>
+    <p:sldId id="258" r:id="rId4"/>
   </p:sldIdLst>
   <p:sldSz cx="12192000" cy="6858000"/>
   <p:notesSz cx="6858000" cy="9144000"/>
@@ -260,7 +261,7 @@
           <a:p>
             <a:fld id="{A022D4BD-E903-4A5B-AABF-93A10DCC1E0C}" type="datetimeFigureOut">
               <a:rPr lang="zh-TW" altLang="en-US" smtClean="0"/>
-              <a:t>2024/12/24</a:t>
+              <a:t>2024/12/27</a:t>
             </a:fld>
             <a:endParaRPr lang="zh-TW" altLang="en-US"/>
           </a:p>
@@ -458,7 +459,7 @@
           <a:p>
             <a:fld id="{A022D4BD-E903-4A5B-AABF-93A10DCC1E0C}" type="datetimeFigureOut">
               <a:rPr lang="zh-TW" altLang="en-US" smtClean="0"/>
-              <a:t>2024/12/24</a:t>
+              <a:t>2024/12/27</a:t>
             </a:fld>
             <a:endParaRPr lang="zh-TW" altLang="en-US"/>
           </a:p>
@@ -666,7 +667,7 @@
           <a:p>
             <a:fld id="{A022D4BD-E903-4A5B-AABF-93A10DCC1E0C}" type="datetimeFigureOut">
               <a:rPr lang="zh-TW" altLang="en-US" smtClean="0"/>
-              <a:t>2024/12/24</a:t>
+              <a:t>2024/12/27</a:t>
             </a:fld>
             <a:endParaRPr lang="zh-TW" altLang="en-US"/>
           </a:p>
@@ -864,7 +865,7 @@
           <a:p>
             <a:fld id="{A022D4BD-E903-4A5B-AABF-93A10DCC1E0C}" type="datetimeFigureOut">
               <a:rPr lang="zh-TW" altLang="en-US" smtClean="0"/>
-              <a:t>2024/12/24</a:t>
+              <a:t>2024/12/27</a:t>
             </a:fld>
             <a:endParaRPr lang="zh-TW" altLang="en-US"/>
           </a:p>
@@ -1139,7 +1140,7 @@
           <a:p>
             <a:fld id="{A022D4BD-E903-4A5B-AABF-93A10DCC1E0C}" type="datetimeFigureOut">
               <a:rPr lang="zh-TW" altLang="en-US" smtClean="0"/>
-              <a:t>2024/12/24</a:t>
+              <a:t>2024/12/27</a:t>
             </a:fld>
             <a:endParaRPr lang="zh-TW" altLang="en-US"/>
           </a:p>
@@ -1404,7 +1405,7 @@
           <a:p>
             <a:fld id="{A022D4BD-E903-4A5B-AABF-93A10DCC1E0C}" type="datetimeFigureOut">
               <a:rPr lang="zh-TW" altLang="en-US" smtClean="0"/>
-              <a:t>2024/12/24</a:t>
+              <a:t>2024/12/27</a:t>
             </a:fld>
             <a:endParaRPr lang="zh-TW" altLang="en-US"/>
           </a:p>
@@ -1816,7 +1817,7 @@
           <a:p>
             <a:fld id="{A022D4BD-E903-4A5B-AABF-93A10DCC1E0C}" type="datetimeFigureOut">
               <a:rPr lang="zh-TW" altLang="en-US" smtClean="0"/>
-              <a:t>2024/12/24</a:t>
+              <a:t>2024/12/27</a:t>
             </a:fld>
             <a:endParaRPr lang="zh-TW" altLang="en-US"/>
           </a:p>
@@ -1957,7 +1958,7 @@
           <a:p>
             <a:fld id="{A022D4BD-E903-4A5B-AABF-93A10DCC1E0C}" type="datetimeFigureOut">
               <a:rPr lang="zh-TW" altLang="en-US" smtClean="0"/>
-              <a:t>2024/12/24</a:t>
+              <a:t>2024/12/27</a:t>
             </a:fld>
             <a:endParaRPr lang="zh-TW" altLang="en-US"/>
           </a:p>
@@ -2070,7 +2071,7 @@
           <a:p>
             <a:fld id="{A022D4BD-E903-4A5B-AABF-93A10DCC1E0C}" type="datetimeFigureOut">
               <a:rPr lang="zh-TW" altLang="en-US" smtClean="0"/>
-              <a:t>2024/12/24</a:t>
+              <a:t>2024/12/27</a:t>
             </a:fld>
             <a:endParaRPr lang="zh-TW" altLang="en-US"/>
           </a:p>
@@ -2381,7 +2382,7 @@
           <a:p>
             <a:fld id="{A022D4BD-E903-4A5B-AABF-93A10DCC1E0C}" type="datetimeFigureOut">
               <a:rPr lang="zh-TW" altLang="en-US" smtClean="0"/>
-              <a:t>2024/12/24</a:t>
+              <a:t>2024/12/27</a:t>
             </a:fld>
             <a:endParaRPr lang="zh-TW" altLang="en-US"/>
           </a:p>
@@ -2669,7 +2670,7 @@
           <a:p>
             <a:fld id="{A022D4BD-E903-4A5B-AABF-93A10DCC1E0C}" type="datetimeFigureOut">
               <a:rPr lang="zh-TW" altLang="en-US" smtClean="0"/>
-              <a:t>2024/12/24</a:t>
+              <a:t>2024/12/27</a:t>
             </a:fld>
             <a:endParaRPr lang="zh-TW" altLang="en-US"/>
           </a:p>
@@ -2910,7 +2911,7 @@
           <a:p>
             <a:fld id="{A022D4BD-E903-4A5B-AABF-93A10DCC1E0C}" type="datetimeFigureOut">
               <a:rPr lang="zh-TW" altLang="en-US" smtClean="0"/>
-              <a:t>2024/12/24</a:t>
+              <a:t>2024/12/27</a:t>
             </a:fld>
             <a:endParaRPr lang="zh-TW" altLang="en-US"/>
           </a:p>
@@ -4593,6 +4594,984 @@
 </p:sld>
 </file>
 
+<file path=ppt/slides/slide3.xml><?xml version="1.0" encoding="utf-8"?>
+<p:sld xmlns:a="http://schemas.openxmlformats.org/drawingml/2006/main" xmlns:r="http://schemas.openxmlformats.org/officeDocument/2006/relationships" xmlns:p="http://schemas.openxmlformats.org/presentationml/2006/main">
+  <p:cSld>
+    <p:spTree>
+      <p:nvGrpSpPr>
+        <p:cNvPr id="1" name=""/>
+        <p:cNvGrpSpPr/>
+        <p:nvPr/>
+      </p:nvGrpSpPr>
+      <p:grpSpPr>
+        <a:xfrm>
+          <a:off x="0" y="0"/>
+          <a:ext cx="0" cy="0"/>
+          <a:chOff x="0" y="0"/>
+          <a:chExt cx="0" cy="0"/>
+        </a:xfrm>
+      </p:grpSpPr>
+      <p:sp>
+        <p:nvSpPr>
+          <p:cNvPr id="2" name="標題 1">
+            <a:extLst>
+              <a:ext uri="{FF2B5EF4-FFF2-40B4-BE49-F238E27FC236}">
+                <a16:creationId xmlns:a16="http://schemas.microsoft.com/office/drawing/2014/main" id="{3663362E-5CB8-3F0A-49BA-E06DA1C700C7}"/>
+              </a:ext>
+            </a:extLst>
+          </p:cNvPr>
+          <p:cNvSpPr>
+            <a:spLocks noGrp="1"/>
+          </p:cNvSpPr>
+          <p:nvPr>
+            <p:ph type="title"/>
+          </p:nvPr>
+        </p:nvSpPr>
+        <p:spPr>
+          <a:xfrm>
+            <a:off x="9725890" y="771958"/>
+            <a:ext cx="1627909" cy="918730"/>
+          </a:xfrm>
+        </p:spPr>
+        <p:txBody>
+          <a:bodyPr/>
+          <a:lstStyle/>
+          <a:p>
+            <a:endParaRPr lang="zh-TW" altLang="en-US" dirty="0"/>
+          </a:p>
+        </p:txBody>
+      </p:sp>
+      <p:sp>
+        <p:nvSpPr>
+          <p:cNvPr id="3" name="內容版面配置區 2">
+            <a:extLst>
+              <a:ext uri="{FF2B5EF4-FFF2-40B4-BE49-F238E27FC236}">
+                <a16:creationId xmlns:a16="http://schemas.microsoft.com/office/drawing/2014/main" id="{689E2420-2EFA-FE57-C662-27C591B16CEA}"/>
+              </a:ext>
+            </a:extLst>
+          </p:cNvPr>
+          <p:cNvSpPr>
+            <a:spLocks noGrp="1"/>
+          </p:cNvSpPr>
+          <p:nvPr>
+            <p:ph idx="1"/>
+          </p:nvPr>
+        </p:nvSpPr>
+        <p:spPr>
+          <a:xfrm>
+            <a:off x="8977744" y="5163127"/>
+            <a:ext cx="2376055" cy="1013836"/>
+          </a:xfrm>
+        </p:spPr>
+        <p:txBody>
+          <a:bodyPr/>
+          <a:lstStyle/>
+          <a:p>
+            <a:endParaRPr lang="zh-TW" altLang="en-US" dirty="0"/>
+          </a:p>
+        </p:txBody>
+      </p:sp>
+      <p:pic>
+        <p:nvPicPr>
+          <p:cNvPr id="5" name="圖片 4">
+            <a:extLst>
+              <a:ext uri="{FF2B5EF4-FFF2-40B4-BE49-F238E27FC236}">
+                <a16:creationId xmlns:a16="http://schemas.microsoft.com/office/drawing/2014/main" id="{AAFB4A90-875B-F537-8D2E-EFA7B50B2EEA}"/>
+              </a:ext>
+            </a:extLst>
+          </p:cNvPr>
+          <p:cNvPicPr>
+            <a:picLocks noChangeAspect="1"/>
+          </p:cNvPicPr>
+          <p:nvPr/>
+        </p:nvPicPr>
+        <p:blipFill>
+          <a:blip r:embed="rId2"/>
+          <a:stretch>
+            <a:fillRect/>
+          </a:stretch>
+        </p:blipFill>
+        <p:spPr>
+          <a:xfrm>
+            <a:off x="4552000" y="3132989"/>
+            <a:ext cx="6801799" cy="3277057"/>
+          </a:xfrm>
+          <a:prstGeom prst="rect">
+            <a:avLst/>
+          </a:prstGeom>
+        </p:spPr>
+      </p:pic>
+      <p:sp>
+        <p:nvSpPr>
+          <p:cNvPr id="6" name="矩形: 圓角 5">
+            <a:extLst>
+              <a:ext uri="{FF2B5EF4-FFF2-40B4-BE49-F238E27FC236}">
+                <a16:creationId xmlns:a16="http://schemas.microsoft.com/office/drawing/2014/main" id="{E47D21C1-F407-49BE-B459-498A24A0EBBD}"/>
+              </a:ext>
+            </a:extLst>
+          </p:cNvPr>
+          <p:cNvSpPr/>
+          <p:nvPr/>
+        </p:nvSpPr>
+        <p:spPr>
+          <a:xfrm>
+            <a:off x="3883891" y="251948"/>
+            <a:ext cx="1773382" cy="918730"/>
+          </a:xfrm>
+          <a:prstGeom prst="roundRect">
+            <a:avLst/>
+          </a:prstGeom>
+        </p:spPr>
+        <p:style>
+          <a:lnRef idx="2">
+            <a:schemeClr val="accent1">
+              <a:shade val="50000"/>
+            </a:schemeClr>
+          </a:lnRef>
+          <a:fillRef idx="1">
+            <a:schemeClr val="accent1"/>
+          </a:fillRef>
+          <a:effectRef idx="0">
+            <a:schemeClr val="accent1"/>
+          </a:effectRef>
+          <a:fontRef idx="minor">
+            <a:schemeClr val="lt1"/>
+          </a:fontRef>
+        </p:style>
+        <p:txBody>
+          <a:bodyPr rtlCol="0" anchor="ctr"/>
+          <a:lstStyle/>
+          <a:p>
+            <a:pPr algn="ctr"/>
+            <a:r>
+              <a:rPr lang="zh-TW" altLang="en-US" dirty="0"/>
+              <a:t>用戶控制器 </a:t>
+            </a:r>
+            <a:r>
+              <a:rPr lang="en-US" altLang="zh-TW" dirty="0"/>
+              <a:t>(</a:t>
+            </a:r>
+            <a:r>
+              <a:rPr lang="en-US" altLang="zh-TW" dirty="0" err="1"/>
+              <a:t>UserController</a:t>
+            </a:r>
+            <a:r>
+              <a:rPr lang="en-US" altLang="zh-TW" dirty="0"/>
+              <a:t>) </a:t>
+            </a:r>
+            <a:endParaRPr lang="zh-TW" altLang="en-US" dirty="0"/>
+          </a:p>
+        </p:txBody>
+      </p:sp>
+      <p:sp>
+        <p:nvSpPr>
+          <p:cNvPr id="10" name="矩形: 圓角 9">
+            <a:extLst>
+              <a:ext uri="{FF2B5EF4-FFF2-40B4-BE49-F238E27FC236}">
+                <a16:creationId xmlns:a16="http://schemas.microsoft.com/office/drawing/2014/main" id="{BBB8FC82-D00A-4861-A03E-923CBC38A872}"/>
+              </a:ext>
+            </a:extLst>
+          </p:cNvPr>
+          <p:cNvSpPr/>
+          <p:nvPr/>
+        </p:nvSpPr>
+        <p:spPr>
+          <a:xfrm>
+            <a:off x="6647874" y="1897872"/>
+            <a:ext cx="1773382" cy="918730"/>
+          </a:xfrm>
+          <a:prstGeom prst="roundRect">
+            <a:avLst/>
+          </a:prstGeom>
+        </p:spPr>
+        <p:style>
+          <a:lnRef idx="2">
+            <a:schemeClr val="accent2">
+              <a:shade val="50000"/>
+            </a:schemeClr>
+          </a:lnRef>
+          <a:fillRef idx="1">
+            <a:schemeClr val="accent2"/>
+          </a:fillRef>
+          <a:effectRef idx="0">
+            <a:schemeClr val="accent2"/>
+          </a:effectRef>
+          <a:fontRef idx="minor">
+            <a:schemeClr val="lt1"/>
+          </a:fontRef>
+        </p:style>
+        <p:txBody>
+          <a:bodyPr rtlCol="0" anchor="ctr"/>
+          <a:lstStyle/>
+          <a:p>
+            <a:pPr algn="ctr"/>
+            <a:r>
+              <a:rPr lang="zh-TW" altLang="en-US" dirty="0">
+                <a:solidFill>
+                  <a:schemeClr val="tx1"/>
+                </a:solidFill>
+              </a:rPr>
+              <a:t>數據庫查詢結果</a:t>
+            </a:r>
+            <a:r>
+              <a:rPr lang="en-US" altLang="zh-TW" dirty="0">
+                <a:solidFill>
+                  <a:schemeClr val="tx1"/>
+                </a:solidFill>
+              </a:rPr>
+              <a:t>,</a:t>
+            </a:r>
+            <a:r>
+              <a:rPr lang="zh-TW" altLang="en-US" dirty="0">
+                <a:solidFill>
+                  <a:schemeClr val="tx1"/>
+                </a:solidFill>
+              </a:rPr>
+              <a:t>錯誤處理</a:t>
+            </a:r>
+          </a:p>
+        </p:txBody>
+      </p:sp>
+      <p:sp>
+        <p:nvSpPr>
+          <p:cNvPr id="11" name="矩形: 圓角 10">
+            <a:extLst>
+              <a:ext uri="{FF2B5EF4-FFF2-40B4-BE49-F238E27FC236}">
+                <a16:creationId xmlns:a16="http://schemas.microsoft.com/office/drawing/2014/main" id="{59FBC222-12C2-48B4-8269-470DEBE71245}"/>
+              </a:ext>
+            </a:extLst>
+          </p:cNvPr>
+          <p:cNvSpPr/>
+          <p:nvPr/>
+        </p:nvSpPr>
+        <p:spPr>
+          <a:xfrm>
+            <a:off x="1327729" y="251947"/>
+            <a:ext cx="1849580" cy="1021539"/>
+          </a:xfrm>
+          <a:prstGeom prst="roundRect">
+            <a:avLst/>
+          </a:prstGeom>
+        </p:spPr>
+        <p:style>
+          <a:lnRef idx="2">
+            <a:schemeClr val="accent1">
+              <a:shade val="50000"/>
+            </a:schemeClr>
+          </a:lnRef>
+          <a:fillRef idx="1">
+            <a:schemeClr val="accent1"/>
+          </a:fillRef>
+          <a:effectRef idx="0">
+            <a:schemeClr val="accent1"/>
+          </a:effectRef>
+          <a:fontRef idx="minor">
+            <a:schemeClr val="lt1"/>
+          </a:fontRef>
+        </p:style>
+        <p:txBody>
+          <a:bodyPr rtlCol="0" anchor="ctr"/>
+          <a:lstStyle/>
+          <a:p>
+            <a:pPr algn="ctr"/>
+            <a:r>
+              <a:rPr lang="en-US" altLang="zh-TW" dirty="0"/>
+              <a:t>adminlogin.html</a:t>
+            </a:r>
+            <a:endParaRPr lang="zh-TW" altLang="en-US" dirty="0"/>
+          </a:p>
+        </p:txBody>
+      </p:sp>
+      <p:sp>
+        <p:nvSpPr>
+          <p:cNvPr id="12" name="矩形: 圓角 11">
+            <a:extLst>
+              <a:ext uri="{FF2B5EF4-FFF2-40B4-BE49-F238E27FC236}">
+                <a16:creationId xmlns:a16="http://schemas.microsoft.com/office/drawing/2014/main" id="{76A4D0D5-5120-465E-A50E-9F422C680974}"/>
+              </a:ext>
+            </a:extLst>
+          </p:cNvPr>
+          <p:cNvSpPr/>
+          <p:nvPr/>
+        </p:nvSpPr>
+        <p:spPr>
+          <a:xfrm>
+            <a:off x="6647874" y="251948"/>
+            <a:ext cx="1773382" cy="918730"/>
+          </a:xfrm>
+          <a:prstGeom prst="roundRect">
+            <a:avLst/>
+          </a:prstGeom>
+        </p:spPr>
+        <p:style>
+          <a:lnRef idx="2">
+            <a:schemeClr val="accent6">
+              <a:shade val="50000"/>
+            </a:schemeClr>
+          </a:lnRef>
+          <a:fillRef idx="1">
+            <a:schemeClr val="accent6"/>
+          </a:fillRef>
+          <a:effectRef idx="0">
+            <a:schemeClr val="accent6"/>
+          </a:effectRef>
+          <a:fontRef idx="minor">
+            <a:schemeClr val="lt1"/>
+          </a:fontRef>
+        </p:style>
+        <p:txBody>
+          <a:bodyPr rtlCol="0" anchor="ctr"/>
+          <a:lstStyle/>
+          <a:p>
+            <a:pPr algn="ctr"/>
+            <a:r>
+              <a:rPr lang="zh-TW" altLang="en-US" sz="1600" dirty="0">
+                <a:solidFill>
+                  <a:schemeClr val="tx1"/>
+                </a:solidFill>
+              </a:rPr>
+              <a:t>業務邏輯服務層</a:t>
+            </a:r>
+            <a:br>
+              <a:rPr lang="en-US" altLang="zh-TW" dirty="0">
+                <a:solidFill>
+                  <a:schemeClr val="tx1"/>
+                </a:solidFill>
+              </a:rPr>
+            </a:br>
+            <a:r>
+              <a:rPr lang="en-US" altLang="zh-TW" dirty="0">
+                <a:solidFill>
+                  <a:schemeClr val="tx1"/>
+                </a:solidFill>
+              </a:rPr>
+              <a:t>(</a:t>
+            </a:r>
+            <a:r>
+              <a:rPr lang="en-US" altLang="zh-TW" dirty="0" err="1">
+                <a:solidFill>
+                  <a:schemeClr val="tx1"/>
+                </a:solidFill>
+              </a:rPr>
+              <a:t>UserService</a:t>
+            </a:r>
+            <a:r>
+              <a:rPr lang="en-US" altLang="zh-TW" dirty="0">
+                <a:solidFill>
+                  <a:schemeClr val="tx1"/>
+                </a:solidFill>
+              </a:rPr>
+              <a:t>)</a:t>
+            </a:r>
+            <a:endParaRPr lang="zh-TW" altLang="en-US" dirty="0">
+              <a:solidFill>
+                <a:schemeClr val="tx1"/>
+              </a:solidFill>
+            </a:endParaRPr>
+          </a:p>
+        </p:txBody>
+      </p:sp>
+      <p:sp>
+        <p:nvSpPr>
+          <p:cNvPr id="13" name="矩形: 圓角 12">
+            <a:extLst>
+              <a:ext uri="{FF2B5EF4-FFF2-40B4-BE49-F238E27FC236}">
+                <a16:creationId xmlns:a16="http://schemas.microsoft.com/office/drawing/2014/main" id="{B3B87265-F2FD-412B-BA0F-6C33C87AF558}"/>
+              </a:ext>
+            </a:extLst>
+          </p:cNvPr>
+          <p:cNvSpPr/>
+          <p:nvPr/>
+        </p:nvSpPr>
+        <p:spPr>
+          <a:xfrm>
+            <a:off x="3883891" y="1871723"/>
+            <a:ext cx="1773382" cy="918730"/>
+          </a:xfrm>
+          <a:prstGeom prst="roundRect">
+            <a:avLst/>
+          </a:prstGeom>
+        </p:spPr>
+        <p:style>
+          <a:lnRef idx="2">
+            <a:schemeClr val="accent4">
+              <a:shade val="50000"/>
+            </a:schemeClr>
+          </a:lnRef>
+          <a:fillRef idx="1">
+            <a:schemeClr val="accent4"/>
+          </a:fillRef>
+          <a:effectRef idx="0">
+            <a:schemeClr val="accent4"/>
+          </a:effectRef>
+          <a:fontRef idx="minor">
+            <a:schemeClr val="lt1"/>
+          </a:fontRef>
+        </p:style>
+        <p:txBody>
+          <a:bodyPr rtlCol="0" anchor="ctr"/>
+          <a:lstStyle/>
+          <a:p>
+            <a:pPr algn="ctr"/>
+            <a:r>
+              <a:rPr lang="en-US" altLang="zh-TW" dirty="0">
+                <a:solidFill>
+                  <a:schemeClr val="tx1"/>
+                </a:solidFill>
+              </a:rPr>
+              <a:t>DAO (</a:t>
+            </a:r>
+            <a:r>
+              <a:rPr lang="en-US" altLang="zh-TW" dirty="0" err="1">
+                <a:solidFill>
+                  <a:schemeClr val="tx1"/>
+                </a:solidFill>
+              </a:rPr>
+              <a:t>UserDAO</a:t>
+            </a:r>
+            <a:r>
+              <a:rPr lang="en-US" altLang="zh-TW" dirty="0">
+                <a:solidFill>
+                  <a:schemeClr val="tx1"/>
+                </a:solidFill>
+              </a:rPr>
+              <a:t>)</a:t>
+            </a:r>
+          </a:p>
+        </p:txBody>
+      </p:sp>
+      <p:cxnSp>
+        <p:nvCxnSpPr>
+          <p:cNvPr id="17" name="直線單箭頭接點 16">
+            <a:extLst>
+              <a:ext uri="{FF2B5EF4-FFF2-40B4-BE49-F238E27FC236}">
+                <a16:creationId xmlns:a16="http://schemas.microsoft.com/office/drawing/2014/main" id="{D7CE97B5-94C7-486B-83BC-76C7073CA3EA}"/>
+              </a:ext>
+            </a:extLst>
+          </p:cNvPr>
+          <p:cNvCxnSpPr>
+            <a:cxnSpLocks/>
+          </p:cNvCxnSpPr>
+          <p:nvPr/>
+        </p:nvCxnSpPr>
+        <p:spPr>
+          <a:xfrm>
+            <a:off x="3260828" y="658235"/>
+            <a:ext cx="470663" cy="0"/>
+          </a:xfrm>
+          <a:prstGeom prst="straightConnector1">
+            <a:avLst/>
+          </a:prstGeom>
+          <a:ln w="9525" cap="flat" cmpd="sng" algn="ctr">
+            <a:solidFill>
+              <a:schemeClr val="dk1"/>
+            </a:solidFill>
+            <a:prstDash val="solid"/>
+            <a:round/>
+            <a:headEnd type="arrow" w="med" len="med"/>
+            <a:tailEnd type="arrow" w="med" len="med"/>
+          </a:ln>
+        </p:spPr>
+        <p:style>
+          <a:lnRef idx="0">
+            <a:scrgbClr r="0" g="0" b="0"/>
+          </a:lnRef>
+          <a:fillRef idx="0">
+            <a:scrgbClr r="0" g="0" b="0"/>
+          </a:fillRef>
+          <a:effectRef idx="0">
+            <a:scrgbClr r="0" g="0" b="0"/>
+          </a:effectRef>
+          <a:fontRef idx="minor">
+            <a:schemeClr val="tx1"/>
+          </a:fontRef>
+        </p:style>
+      </p:cxnSp>
+      <p:cxnSp>
+        <p:nvCxnSpPr>
+          <p:cNvPr id="22" name="直線單箭頭接點 21">
+            <a:extLst>
+              <a:ext uri="{FF2B5EF4-FFF2-40B4-BE49-F238E27FC236}">
+                <a16:creationId xmlns:a16="http://schemas.microsoft.com/office/drawing/2014/main" id="{1443E758-CFDB-4380-BDD5-5EDE93252BAB}"/>
+              </a:ext>
+            </a:extLst>
+          </p:cNvPr>
+          <p:cNvCxnSpPr>
+            <a:cxnSpLocks/>
+          </p:cNvCxnSpPr>
+          <p:nvPr/>
+        </p:nvCxnSpPr>
+        <p:spPr>
+          <a:xfrm>
+            <a:off x="2252519" y="1270859"/>
+            <a:ext cx="0" cy="447068"/>
+          </a:xfrm>
+          <a:prstGeom prst="straightConnector1">
+            <a:avLst/>
+          </a:prstGeom>
+          <a:ln>
+            <a:tailEnd type="triangle"/>
+          </a:ln>
+        </p:spPr>
+        <p:style>
+          <a:lnRef idx="2">
+            <a:schemeClr val="dk1"/>
+          </a:lnRef>
+          <a:fillRef idx="0">
+            <a:schemeClr val="dk1"/>
+          </a:fillRef>
+          <a:effectRef idx="1">
+            <a:schemeClr val="dk1"/>
+          </a:effectRef>
+          <a:fontRef idx="minor">
+            <a:schemeClr val="tx1"/>
+          </a:fontRef>
+        </p:style>
+      </p:cxnSp>
+      <p:cxnSp>
+        <p:nvCxnSpPr>
+          <p:cNvPr id="24" name="直線單箭頭接點 23">
+            <a:extLst>
+              <a:ext uri="{FF2B5EF4-FFF2-40B4-BE49-F238E27FC236}">
+                <a16:creationId xmlns:a16="http://schemas.microsoft.com/office/drawing/2014/main" id="{957484DC-8549-43FD-8875-A83A6F05D27F}"/>
+              </a:ext>
+            </a:extLst>
+          </p:cNvPr>
+          <p:cNvCxnSpPr>
+            <a:cxnSpLocks/>
+          </p:cNvCxnSpPr>
+          <p:nvPr/>
+        </p:nvCxnSpPr>
+        <p:spPr>
+          <a:xfrm>
+            <a:off x="5914107" y="658235"/>
+            <a:ext cx="470663" cy="0"/>
+          </a:xfrm>
+          <a:prstGeom prst="straightConnector1">
+            <a:avLst/>
+          </a:prstGeom>
+          <a:ln w="9525" cap="flat" cmpd="sng" algn="ctr">
+            <a:solidFill>
+              <a:schemeClr val="dk1"/>
+            </a:solidFill>
+            <a:prstDash val="solid"/>
+            <a:round/>
+            <a:headEnd type="arrow" w="med" len="med"/>
+            <a:tailEnd type="arrow" w="med" len="med"/>
+          </a:ln>
+        </p:spPr>
+        <p:style>
+          <a:lnRef idx="0">
+            <a:scrgbClr r="0" g="0" b="0"/>
+          </a:lnRef>
+          <a:fillRef idx="0">
+            <a:scrgbClr r="0" g="0" b="0"/>
+          </a:fillRef>
+          <a:effectRef idx="0">
+            <a:scrgbClr r="0" g="0" b="0"/>
+          </a:effectRef>
+          <a:fontRef idx="minor">
+            <a:schemeClr val="tx1"/>
+          </a:fontRef>
+        </p:style>
+      </p:cxnSp>
+      <p:cxnSp>
+        <p:nvCxnSpPr>
+          <p:cNvPr id="26" name="直線單箭頭接點 25">
+            <a:extLst>
+              <a:ext uri="{FF2B5EF4-FFF2-40B4-BE49-F238E27FC236}">
+                <a16:creationId xmlns:a16="http://schemas.microsoft.com/office/drawing/2014/main" id="{A3003428-8D84-4CC7-944B-88F76284A587}"/>
+              </a:ext>
+            </a:extLst>
+          </p:cNvPr>
+          <p:cNvCxnSpPr>
+            <a:cxnSpLocks/>
+          </p:cNvCxnSpPr>
+          <p:nvPr/>
+        </p:nvCxnSpPr>
+        <p:spPr>
+          <a:xfrm>
+            <a:off x="4738255" y="1319806"/>
+            <a:ext cx="0" cy="447068"/>
+          </a:xfrm>
+          <a:prstGeom prst="straightConnector1">
+            <a:avLst/>
+          </a:prstGeom>
+          <a:ln>
+            <a:tailEnd type="triangle"/>
+          </a:ln>
+        </p:spPr>
+        <p:style>
+          <a:lnRef idx="2">
+            <a:schemeClr val="dk1"/>
+          </a:lnRef>
+          <a:fillRef idx="0">
+            <a:schemeClr val="dk1"/>
+          </a:fillRef>
+          <a:effectRef idx="1">
+            <a:schemeClr val="dk1"/>
+          </a:effectRef>
+          <a:fontRef idx="minor">
+            <a:schemeClr val="tx1"/>
+          </a:fontRef>
+        </p:style>
+      </p:cxnSp>
+      <p:cxnSp>
+        <p:nvCxnSpPr>
+          <p:cNvPr id="27" name="直線單箭頭接點 26">
+            <a:extLst>
+              <a:ext uri="{FF2B5EF4-FFF2-40B4-BE49-F238E27FC236}">
+                <a16:creationId xmlns:a16="http://schemas.microsoft.com/office/drawing/2014/main" id="{6102ED0B-917C-4CD1-8748-FA76393EA960}"/>
+              </a:ext>
+            </a:extLst>
+          </p:cNvPr>
+          <p:cNvCxnSpPr>
+            <a:cxnSpLocks/>
+          </p:cNvCxnSpPr>
+          <p:nvPr/>
+        </p:nvCxnSpPr>
+        <p:spPr>
+          <a:xfrm>
+            <a:off x="7617691" y="1329910"/>
+            <a:ext cx="0" cy="447068"/>
+          </a:xfrm>
+          <a:prstGeom prst="straightConnector1">
+            <a:avLst/>
+          </a:prstGeom>
+          <a:ln>
+            <a:tailEnd type="triangle"/>
+          </a:ln>
+        </p:spPr>
+        <p:style>
+          <a:lnRef idx="2">
+            <a:schemeClr val="dk1"/>
+          </a:lnRef>
+          <a:fillRef idx="0">
+            <a:schemeClr val="dk1"/>
+          </a:fillRef>
+          <a:effectRef idx="1">
+            <a:schemeClr val="dk1"/>
+          </a:effectRef>
+          <a:fontRef idx="minor">
+            <a:schemeClr val="tx1"/>
+          </a:fontRef>
+        </p:style>
+      </p:cxnSp>
+      <p:cxnSp>
+        <p:nvCxnSpPr>
+          <p:cNvPr id="28" name="直線單箭頭接點 27">
+            <a:extLst>
+              <a:ext uri="{FF2B5EF4-FFF2-40B4-BE49-F238E27FC236}">
+                <a16:creationId xmlns:a16="http://schemas.microsoft.com/office/drawing/2014/main" id="{46B62F9D-060C-4170-9A0B-BF2416561272}"/>
+              </a:ext>
+            </a:extLst>
+          </p:cNvPr>
+          <p:cNvCxnSpPr>
+            <a:cxnSpLocks/>
+          </p:cNvCxnSpPr>
+          <p:nvPr/>
+        </p:nvCxnSpPr>
+        <p:spPr>
+          <a:xfrm>
+            <a:off x="2252519" y="2911317"/>
+            <a:ext cx="0" cy="447068"/>
+          </a:xfrm>
+          <a:prstGeom prst="straightConnector1">
+            <a:avLst/>
+          </a:prstGeom>
+          <a:ln>
+            <a:tailEnd type="triangle"/>
+          </a:ln>
+        </p:spPr>
+        <p:style>
+          <a:lnRef idx="2">
+            <a:schemeClr val="dk1"/>
+          </a:lnRef>
+          <a:fillRef idx="0">
+            <a:schemeClr val="dk1"/>
+          </a:fillRef>
+          <a:effectRef idx="1">
+            <a:schemeClr val="dk1"/>
+          </a:effectRef>
+          <a:fontRef idx="minor">
+            <a:schemeClr val="tx1"/>
+          </a:fontRef>
+        </p:style>
+      </p:cxnSp>
+      <p:sp>
+        <p:nvSpPr>
+          <p:cNvPr id="30" name="矩形 29">
+            <a:extLst>
+              <a:ext uri="{FF2B5EF4-FFF2-40B4-BE49-F238E27FC236}">
+                <a16:creationId xmlns:a16="http://schemas.microsoft.com/office/drawing/2014/main" id="{43499BB5-775E-4E37-AA74-54A383D68E8D}"/>
+              </a:ext>
+            </a:extLst>
+          </p:cNvPr>
+          <p:cNvSpPr/>
+          <p:nvPr/>
+        </p:nvSpPr>
+        <p:spPr>
+          <a:xfrm>
+            <a:off x="3265766" y="754933"/>
+            <a:ext cx="1467533" cy="276999"/>
+          </a:xfrm>
+          <a:prstGeom prst="rect">
+            <a:avLst/>
+          </a:prstGeom>
+        </p:spPr>
+        <p:txBody>
+          <a:bodyPr wrap="square">
+            <a:spAutoFit/>
+          </a:bodyPr>
+          <a:lstStyle/>
+          <a:p>
+            <a:r>
+              <a:rPr lang="zh-TW" altLang="en-US" sz="1200" dirty="0"/>
+              <a:t>請求</a:t>
+            </a:r>
+            <a:endParaRPr lang="en-US" altLang="zh-TW" sz="1200" dirty="0"/>
+          </a:p>
+        </p:txBody>
+      </p:sp>
+      <p:sp>
+        <p:nvSpPr>
+          <p:cNvPr id="31" name="矩形 30">
+            <a:extLst>
+              <a:ext uri="{FF2B5EF4-FFF2-40B4-BE49-F238E27FC236}">
+                <a16:creationId xmlns:a16="http://schemas.microsoft.com/office/drawing/2014/main" id="{B2F71AED-518B-44DA-AF16-93C1628232E3}"/>
+              </a:ext>
+            </a:extLst>
+          </p:cNvPr>
+          <p:cNvSpPr/>
+          <p:nvPr/>
+        </p:nvSpPr>
+        <p:spPr>
+          <a:xfrm>
+            <a:off x="5914107" y="754933"/>
+            <a:ext cx="1467533" cy="276999"/>
+          </a:xfrm>
+          <a:prstGeom prst="rect">
+            <a:avLst/>
+          </a:prstGeom>
+        </p:spPr>
+        <p:txBody>
+          <a:bodyPr wrap="square">
+            <a:spAutoFit/>
+          </a:bodyPr>
+          <a:lstStyle/>
+          <a:p>
+            <a:r>
+              <a:rPr lang="zh-TW" altLang="en-US" sz="1200" dirty="0"/>
+              <a:t>請求</a:t>
+            </a:r>
+            <a:endParaRPr lang="en-US" altLang="zh-TW" sz="1200" dirty="0"/>
+          </a:p>
+        </p:txBody>
+      </p:sp>
+      <p:sp>
+        <p:nvSpPr>
+          <p:cNvPr id="21" name="矩形: 圓角 20">
+            <a:extLst>
+              <a:ext uri="{FF2B5EF4-FFF2-40B4-BE49-F238E27FC236}">
+                <a16:creationId xmlns:a16="http://schemas.microsoft.com/office/drawing/2014/main" id="{DBFD88C9-2254-42EA-85B0-A21C362FD22E}"/>
+              </a:ext>
+            </a:extLst>
+          </p:cNvPr>
+          <p:cNvSpPr/>
+          <p:nvPr/>
+        </p:nvSpPr>
+        <p:spPr>
+          <a:xfrm>
+            <a:off x="1329384" y="1829902"/>
+            <a:ext cx="1849580" cy="1021539"/>
+          </a:xfrm>
+          <a:prstGeom prst="roundRect">
+            <a:avLst/>
+          </a:prstGeom>
+        </p:spPr>
+        <p:style>
+          <a:lnRef idx="2">
+            <a:schemeClr val="accent1">
+              <a:shade val="50000"/>
+            </a:schemeClr>
+          </a:lnRef>
+          <a:fillRef idx="1">
+            <a:schemeClr val="accent1"/>
+          </a:fillRef>
+          <a:effectRef idx="0">
+            <a:schemeClr val="accent1"/>
+          </a:effectRef>
+          <a:fontRef idx="minor">
+            <a:schemeClr val="lt1"/>
+          </a:fontRef>
+        </p:style>
+        <p:txBody>
+          <a:bodyPr rtlCol="0" anchor="ctr"/>
+          <a:lstStyle/>
+          <a:p>
+            <a:pPr algn="ctr"/>
+            <a:r>
+              <a:rPr lang="en-US" altLang="zh-TW" dirty="0"/>
+              <a:t>home.html</a:t>
+            </a:r>
+            <a:endParaRPr lang="zh-TW" altLang="en-US" dirty="0"/>
+          </a:p>
+        </p:txBody>
+      </p:sp>
+      <p:sp>
+        <p:nvSpPr>
+          <p:cNvPr id="23" name="矩形: 圓角 22">
+            <a:extLst>
+              <a:ext uri="{FF2B5EF4-FFF2-40B4-BE49-F238E27FC236}">
+                <a16:creationId xmlns:a16="http://schemas.microsoft.com/office/drawing/2014/main" id="{1EECFDB5-5CB8-48D7-BB9F-D849BCD0470E}"/>
+              </a:ext>
+            </a:extLst>
+          </p:cNvPr>
+          <p:cNvSpPr/>
+          <p:nvPr/>
+        </p:nvSpPr>
+        <p:spPr>
+          <a:xfrm>
+            <a:off x="1303483" y="5076371"/>
+            <a:ext cx="1957339" cy="1100589"/>
+          </a:xfrm>
+          <a:prstGeom prst="roundRect">
+            <a:avLst/>
+          </a:prstGeom>
+        </p:spPr>
+        <p:style>
+          <a:lnRef idx="2">
+            <a:schemeClr val="accent1">
+              <a:shade val="50000"/>
+            </a:schemeClr>
+          </a:lnRef>
+          <a:fillRef idx="1">
+            <a:schemeClr val="accent1"/>
+          </a:fillRef>
+          <a:effectRef idx="0">
+            <a:schemeClr val="accent1"/>
+          </a:effectRef>
+          <a:fontRef idx="minor">
+            <a:schemeClr val="lt1"/>
+          </a:fontRef>
+        </p:style>
+        <p:txBody>
+          <a:bodyPr rtlCol="0" anchor="ctr"/>
+          <a:lstStyle/>
+          <a:p>
+            <a:pPr algn="ctr"/>
+            <a:r>
+              <a:rPr lang="en-US" altLang="zh-TW" dirty="0"/>
+              <a:t>adminhome.html</a:t>
+            </a:r>
+            <a:endParaRPr lang="zh-TW" altLang="en-US" dirty="0"/>
+          </a:p>
+        </p:txBody>
+      </p:sp>
+      <p:sp>
+        <p:nvSpPr>
+          <p:cNvPr id="25" name="矩形: 圓角 24">
+            <a:extLst>
+              <a:ext uri="{FF2B5EF4-FFF2-40B4-BE49-F238E27FC236}">
+                <a16:creationId xmlns:a16="http://schemas.microsoft.com/office/drawing/2014/main" id="{9B4E1973-46F8-43F4-B011-58432E68C8BE}"/>
+              </a:ext>
+            </a:extLst>
+          </p:cNvPr>
+          <p:cNvSpPr/>
+          <p:nvPr/>
+        </p:nvSpPr>
+        <p:spPr>
+          <a:xfrm>
+            <a:off x="1327729" y="3396324"/>
+            <a:ext cx="1849580" cy="1021539"/>
+          </a:xfrm>
+          <a:prstGeom prst="roundRect">
+            <a:avLst/>
+          </a:prstGeom>
+        </p:spPr>
+        <p:style>
+          <a:lnRef idx="2">
+            <a:schemeClr val="accent1">
+              <a:shade val="50000"/>
+            </a:schemeClr>
+          </a:lnRef>
+          <a:fillRef idx="1">
+            <a:schemeClr val="accent1"/>
+          </a:fillRef>
+          <a:effectRef idx="0">
+            <a:schemeClr val="accent1"/>
+          </a:effectRef>
+          <a:fontRef idx="minor">
+            <a:schemeClr val="lt1"/>
+          </a:fontRef>
+        </p:style>
+        <p:txBody>
+          <a:bodyPr rtlCol="0" anchor="ctr"/>
+          <a:lstStyle/>
+          <a:p>
+            <a:pPr algn="ctr"/>
+            <a:r>
+              <a:rPr lang="en-US" altLang="zh-TW" dirty="0"/>
+              <a:t>test.html</a:t>
+            </a:r>
+            <a:endParaRPr lang="zh-TW" altLang="en-US" dirty="0"/>
+          </a:p>
+        </p:txBody>
+      </p:sp>
+      <p:cxnSp>
+        <p:nvCxnSpPr>
+          <p:cNvPr id="33" name="直線單箭頭接點 32">
+            <a:extLst>
+              <a:ext uri="{FF2B5EF4-FFF2-40B4-BE49-F238E27FC236}">
+                <a16:creationId xmlns:a16="http://schemas.microsoft.com/office/drawing/2014/main" id="{080D2241-4CEF-4B71-83D3-0C81E6EB6147}"/>
+              </a:ext>
+            </a:extLst>
+          </p:cNvPr>
+          <p:cNvCxnSpPr>
+            <a:cxnSpLocks/>
+          </p:cNvCxnSpPr>
+          <p:nvPr/>
+        </p:nvCxnSpPr>
+        <p:spPr>
+          <a:xfrm>
+            <a:off x="2228274" y="4547983"/>
+            <a:ext cx="0" cy="447068"/>
+          </a:xfrm>
+          <a:prstGeom prst="straightConnector1">
+            <a:avLst/>
+          </a:prstGeom>
+          <a:ln>
+            <a:tailEnd type="triangle"/>
+          </a:ln>
+        </p:spPr>
+        <p:style>
+          <a:lnRef idx="2">
+            <a:schemeClr val="dk1"/>
+          </a:lnRef>
+          <a:fillRef idx="0">
+            <a:schemeClr val="dk1"/>
+          </a:fillRef>
+          <a:effectRef idx="1">
+            <a:schemeClr val="dk1"/>
+          </a:effectRef>
+          <a:fontRef idx="minor">
+            <a:schemeClr val="tx1"/>
+          </a:fontRef>
+        </p:style>
+      </p:cxnSp>
+    </p:spTree>
+    <p:extLst>
+      <p:ext uri="{BB962C8B-B14F-4D97-AF65-F5344CB8AC3E}">
+        <p14:creationId xmlns:p14="http://schemas.microsoft.com/office/powerpoint/2010/main" val="3216235580"/>
+      </p:ext>
+    </p:extLst>
+  </p:cSld>
+  <p:clrMapOvr>
+    <a:masterClrMapping/>
+  </p:clrMapOvr>
+</p:sld>
+</file>
+
 <file path=ppt/theme/theme1.xml><?xml version="1.0" encoding="utf-8"?>
 <a:theme xmlns:a="http://schemas.openxmlformats.org/drawingml/2006/main" name="Office 佈景主題">
   <a:themeElements>
